--- a/CARTEL_PRONOSTICOS_Modelos_de_pronostico_aplicados_a_ademanda_De_gas_natural_v3.pptx
+++ b/CARTEL_PRONOSTICOS_Modelos_de_pronostico_aplicados_a_ademanda_De_gas_natural_v3.pptx
@@ -285,10 +285,47 @@
       </p15:sldGuideLst>
     </p:ext>
     <p:ext uri="http://customooxmlschemas.google.com/">
-      <go:slidesCustomData xmlns="" xmlns:mc="http://schemas.openxmlformats.org/markup-compatibility/2006" xmlns:mv="urn:schemas-microsoft-com:mac:vml" xmlns:c="http://schemas.openxmlformats.org/drawingml/2006/chart" xmlns:dgm="http://schemas.openxmlformats.org/drawingml/2006/diagram" xmlns:o="urn:schemas-microsoft-com:office:office" xmlns:v="urn:schemas-microsoft-com:vml" xmlns:pvml="urn:schemas-microsoft-com:office:powerpoint" xmlns:com="http://schemas.openxmlformats.org/drawingml/2006/compatibility" xmlns:p14="http://schemas.microsoft.com/office/powerpoint/2010/main" xmlns:p15="http://schemas.microsoft.com/office/powerpoint/2012/main" xmlns:ahyp="http://schemas.microsoft.com/office/drawing/2018/hyperlinkcolor" xmlns:go="http://customooxmlschemas.google.com/" r:id="rId16" roundtripDataSignature="AMtx7miQDVQXGM3vnSjUw7xkqrap4wCZRg=="/>
+      <go:slidesCustomData xmlns:go="http://customooxmlschemas.google.com/" xmlns:ahyp="http://schemas.microsoft.com/office/drawing/2018/hyperlinkcolor" xmlns:p15="http://schemas.microsoft.com/office/powerpoint/2012/main" xmlns:p14="http://schemas.microsoft.com/office/powerpoint/2010/main" xmlns:com="http://schemas.openxmlformats.org/drawingml/2006/compatibility" xmlns:pvml="urn:schemas-microsoft-com:office:powerpoint" xmlns:v="urn:schemas-microsoft-com:vml" xmlns:o="urn:schemas-microsoft-com:office:office" xmlns:dgm="http://schemas.openxmlformats.org/drawingml/2006/diagram" xmlns:c="http://schemas.openxmlformats.org/drawingml/2006/chart" xmlns:mv="urn:schemas-microsoft-com:mac:vml" xmlns:mc="http://schemas.openxmlformats.org/markup-compatibility/2006" xmlns="" r:id="rId16" roundtripDataSignature="AMtx7miQDVQXGM3vnSjUw7xkqrap4wCZRg=="/>
     </p:ext>
   </p:extLst>
 </p:presentation>
+</file>
+
+<file path=ppt/revisionInfo.xml><?xml version="1.0" encoding="utf-8"?>
+<p1510:revInfo xmlns:a="http://schemas.openxmlformats.org/drawingml/2006/main" xmlns:r="http://schemas.openxmlformats.org/officeDocument/2006/relationships" xmlns:p1510="http://schemas.microsoft.com/office/powerpoint/2015/10/main">
+  <p1510:revLst>
+    <p1510:client id="{9F5282F9-0DB4-4251-A65D-30C0D2E0E656}" v="1" dt="2023-05-30T15:20:29.381"/>
+  </p1510:revLst>
+</p1510:revInfo>
+</file>
+
+<file path=ppt/changesInfos/changesInfo1.xml><?xml version="1.0" encoding="utf-8"?>
+<pc:chgInfo xmlns:a="http://schemas.openxmlformats.org/drawingml/2006/main" xmlns:r="http://schemas.openxmlformats.org/officeDocument/2006/relationships" xmlns:ac="http://schemas.microsoft.com/office/drawing/2013/main/command" xmlns:pc="http://schemas.microsoft.com/office/powerpoint/2013/main/command">
+  <pc:docChgLst>
+    <pc:chgData name="Sergio Ibarra" userId="f9e6e0322c927b48" providerId="LiveId" clId="{9F5282F9-0DB4-4251-A65D-30C0D2E0E656}"/>
+    <pc:docChg chg="custSel modSld">
+      <pc:chgData name="Sergio Ibarra" userId="f9e6e0322c927b48" providerId="LiveId" clId="{9F5282F9-0DB4-4251-A65D-30C0D2E0E656}" dt="2023-05-30T15:21:35.128" v="61" actId="1076"/>
+      <pc:docMkLst>
+        <pc:docMk/>
+      </pc:docMkLst>
+      <pc:sldChg chg="modSp mod">
+        <pc:chgData name="Sergio Ibarra" userId="f9e6e0322c927b48" providerId="LiveId" clId="{9F5282F9-0DB4-4251-A65D-30C0D2E0E656}" dt="2023-05-30T15:21:35.128" v="61" actId="1076"/>
+        <pc:sldMkLst>
+          <pc:docMk/>
+          <pc:sldMk cId="2665960598" sldId="261"/>
+        </pc:sldMkLst>
+        <pc:spChg chg="mod">
+          <ac:chgData name="Sergio Ibarra" userId="f9e6e0322c927b48" providerId="LiveId" clId="{9F5282F9-0DB4-4251-A65D-30C0D2E0E656}" dt="2023-05-30T15:21:35.128" v="61" actId="1076"/>
+          <ac:spMkLst>
+            <pc:docMk/>
+            <pc:sldMk cId="2665960598" sldId="261"/>
+            <ac:spMk id="4" creationId="{A03C1D89-0E0E-5B2B-11E3-9F0758203DB2}"/>
+          </ac:spMkLst>
+        </pc:spChg>
+      </pc:sldChg>
+    </pc:docChg>
+  </pc:docChgLst>
+</pc:chgInfo>
 </file>
 
 <file path=ppt/notesMasters/notesMaster1.xml><?xml version="1.0" encoding="utf-8"?>
@@ -1763,7 +1800,7 @@
             </a:pPr>
             <a:fld id="{00000000-1234-1234-1234-123412341234}" type="slidenum">
               <a:rPr lang="en-US"/>
-              <a:t>‹nº›</a:t>
+              <a:t>‹#›</a:t>
             </a:fld>
             <a:endParaRPr/>
           </a:p>
@@ -2691,7 +2728,7 @@
             </a:pPr>
             <a:fld id="{00000000-1234-1234-1234-123412341234}" type="slidenum">
               <a:rPr lang="en-US"/>
-              <a:t>‹nº›</a:t>
+              <a:t>‹#›</a:t>
             </a:fld>
             <a:endParaRPr/>
           </a:p>
@@ -3610,7 +3647,7 @@
             </a:pPr>
             <a:fld id="{00000000-1234-1234-1234-123412341234}" type="slidenum">
               <a:rPr lang="en-US"/>
-              <a:t>‹nº›</a:t>
+              <a:t>‹#›</a:t>
             </a:fld>
             <a:endParaRPr/>
           </a:p>
@@ -4529,7 +4566,7 @@
             </a:pPr>
             <a:fld id="{00000000-1234-1234-1234-123412341234}" type="slidenum">
               <a:rPr lang="en-US"/>
-              <a:t>‹nº›</a:t>
+              <a:t>‹#›</a:t>
             </a:fld>
             <a:endParaRPr/>
           </a:p>
@@ -5481,7 +5518,7 @@
             </a:pPr>
             <a:fld id="{00000000-1234-1234-1234-123412341234}" type="slidenum">
               <a:rPr lang="en-US"/>
-              <a:t>‹nº›</a:t>
+              <a:t>‹#›</a:t>
             </a:fld>
             <a:endParaRPr/>
           </a:p>
@@ -6578,7 +6615,7 @@
             </a:pPr>
             <a:fld id="{00000000-1234-1234-1234-123412341234}" type="slidenum">
               <a:rPr lang="en-US"/>
-              <a:t>‹nº›</a:t>
+              <a:t>‹#›</a:t>
             </a:fld>
             <a:endParaRPr/>
           </a:p>
@@ -7204,7 +7241,7 @@
             </a:pPr>
             <a:fld id="{00000000-1234-1234-1234-123412341234}" type="slidenum">
               <a:rPr lang="en-US"/>
-              <a:t>‹nº›</a:t>
+              <a:t>‹#›</a:t>
             </a:fld>
             <a:endParaRPr/>
           </a:p>
@@ -7963,7 +8000,7 @@
             </a:pPr>
             <a:fld id="{00000000-1234-1234-1234-123412341234}" type="slidenum">
               <a:rPr lang="en-US"/>
-              <a:t>‹nº›</a:t>
+              <a:t>‹#›</a:t>
             </a:fld>
             <a:endParaRPr/>
           </a:p>
@@ -9398,7 +9435,7 @@
             </a:pPr>
             <a:fld id="{00000000-1234-1234-1234-123412341234}" type="slidenum">
               <a:rPr lang="en-US"/>
-              <a:t>‹nº›</a:t>
+              <a:t>‹#›</a:t>
             </a:fld>
             <a:endParaRPr/>
           </a:p>
@@ -10495,7 +10532,7 @@
             </a:pPr>
             <a:fld id="{00000000-1234-1234-1234-123412341234}" type="slidenum">
               <a:rPr lang="en-US"/>
-              <a:t>‹nº›</a:t>
+              <a:t>‹#›</a:t>
             </a:fld>
             <a:endParaRPr/>
           </a:p>
@@ -11719,7 +11756,7 @@
             </a:pPr>
             <a:fld id="{00000000-1234-1234-1234-123412341234}" type="slidenum">
               <a:rPr lang="en-US"/>
-              <a:t>‹nº›</a:t>
+              <a:t>‹#›</a:t>
             </a:fld>
             <a:endParaRPr sz="1400">
               <a:solidFill>
@@ -15375,8 +15412,8 @@
             </p:nvSpPr>
             <p:spPr>
               <a:xfrm>
-                <a:off x="3082393" y="6251256"/>
-                <a:ext cx="4567044" cy="1002970"/>
+                <a:off x="3120493" y="6212787"/>
+                <a:ext cx="4567044" cy="1134544"/>
               </a:xfrm>
               <a:prstGeom prst="rect">
                 <a:avLst/>
@@ -15672,22 +15709,11 @@
                     <a:solidFill>
                       <a:schemeClr val="dk1"/>
                     </a:solidFill>
-                    <a:latin typeface="Cambria Math" panose="02040503050406030204" pitchFamily="18" charset="0"/>
-                    <a:ea typeface="Cambria Math" panose="02040503050406030204" pitchFamily="18" charset="0"/>
-                    <a:sym typeface="Arial"/>
-                  </a:rPr>
-                  <a:t>𝜃</a:t>
-                </a:r>
-                <a:r>
-                  <a:rPr lang="en-US" sz="900" b="0" i="0" dirty="0">
-                    <a:solidFill>
-                      <a:schemeClr val="dk1"/>
-                    </a:solidFill>
                     <a:latin typeface="+mn-lt"/>
                     <a:ea typeface="Cambria Math" panose="02040503050406030204" pitchFamily="18" charset="0"/>
                     <a:sym typeface="Arial"/>
                   </a:rPr>
-                  <a:t>: </a:t>
+                  <a:t>𝜃: </a:t>
                 </a:r>
                 <a:r>
                   <a:rPr lang="en-US" sz="900" b="0" i="0" dirty="0" err="1">
@@ -15830,29 +15856,7 @@
                     <a:ea typeface="Cambria Math" panose="02040503050406030204" pitchFamily="18" charset="0"/>
                     <a:sym typeface="Arial"/>
                   </a:rPr>
-                  <a:t> de la variable </a:t>
-                </a:r>
-                <a:r>
-                  <a:rPr lang="en-US" sz="900" b="0" i="0" dirty="0" err="1">
-                    <a:solidFill>
-                      <a:schemeClr val="dk1"/>
-                    </a:solidFill>
-                    <a:latin typeface="+mn-lt"/>
-                    <a:ea typeface="Cambria Math" panose="02040503050406030204" pitchFamily="18" charset="0"/>
-                    <a:sym typeface="Arial"/>
-                  </a:rPr>
-                  <a:t>yat</a:t>
-                </a:r>
-                <a:r>
-                  <a:rPr lang="en-US" sz="900" b="0" i="0" dirty="0">
-                    <a:solidFill>
-                      <a:schemeClr val="dk1"/>
-                    </a:solidFill>
-                    <a:latin typeface="+mn-lt"/>
-                    <a:ea typeface="Cambria Math" panose="02040503050406030204" pitchFamily="18" charset="0"/>
-                    <a:sym typeface="Arial"/>
-                  </a:rPr>
-                  <a:t>-s </a:t>
+                  <a:t> de la variable y a t-s </a:t>
                 </a:r>
               </a:p>
               <a:p>
@@ -15876,7 +15880,7 @@
                           <a:solidFill>
                             <a:schemeClr val="tx1"/>
                           </a:solidFill>
-                          <a:latin typeface="Cambria Math" panose="02040503050406030204" pitchFamily="18" charset="0"/>
+                          <a:latin typeface="+mn-lt"/>
                           <a:ea typeface="Cambria Math" panose="02040503050406030204" pitchFamily="18" charset="0"/>
                         </a:rPr>
                         <m:t>𝜀</m:t>
@@ -15886,7 +15890,7 @@
                           <a:solidFill>
                             <a:schemeClr val="tx1"/>
                           </a:solidFill>
-                          <a:latin typeface="Cambria Math" panose="02040503050406030204" pitchFamily="18" charset="0"/>
+                          <a:latin typeface="+mn-lt"/>
                           <a:ea typeface="Cambria Math" panose="02040503050406030204" pitchFamily="18" charset="0"/>
                         </a:rPr>
                         <m:t>𝑡</m:t>
@@ -15896,7 +15900,7 @@
                           <a:solidFill>
                             <a:schemeClr val="tx1"/>
                           </a:solidFill>
-                          <a:latin typeface="Cambria Math" panose="02040503050406030204" pitchFamily="18" charset="0"/>
+                          <a:latin typeface="+mn-lt"/>
                           <a:ea typeface="Cambria Math" panose="02040503050406030204" pitchFamily="18" charset="0"/>
                         </a:rPr>
                         <m:t>−</m:t>
@@ -15906,7 +15910,7 @@
                           <a:solidFill>
                             <a:schemeClr val="tx1"/>
                           </a:solidFill>
-                          <a:latin typeface="Cambria Math" panose="02040503050406030204" pitchFamily="18" charset="0"/>
+                          <a:latin typeface="+mn-lt"/>
                           <a:ea typeface="Cambria Math" panose="02040503050406030204" pitchFamily="18" charset="0"/>
                         </a:rPr>
                         <m:t>𝑠</m:t>
@@ -15916,7 +15920,7 @@
                           <a:solidFill>
                             <a:schemeClr val="tx1"/>
                           </a:solidFill>
-                          <a:latin typeface="Cambria Math" panose="02040503050406030204" pitchFamily="18" charset="0"/>
+                          <a:latin typeface="+mn-lt"/>
                           <a:ea typeface="Cambria Math" panose="02040503050406030204" pitchFamily="18" charset="0"/>
                         </a:rPr>
                         <m:t>:</m:t>
@@ -15929,7 +15933,7 @@
                           <a:solidFill>
                             <a:schemeClr val="tx1"/>
                           </a:solidFill>
-                          <a:latin typeface="Cambria Math" panose="02040503050406030204" pitchFamily="18" charset="0"/>
+                          <a:latin typeface="+mn-lt"/>
                           <a:ea typeface="Cambria Math" panose="02040503050406030204" pitchFamily="18" charset="0"/>
                         </a:rPr>
                         <m:t> </m:t>
@@ -15942,6 +15946,7 @@
                           <a:solidFill>
                             <a:schemeClr val="dk1"/>
                           </a:solidFill>
+                          <a:latin typeface="+mn-lt"/>
                           <a:ea typeface="Cambria Math" panose="02040503050406030204" pitchFamily="18" charset="0"/>
                         </a:rPr>
                         <m:t>Errores</m:t>
@@ -15954,6 +15959,7 @@
                           <a:solidFill>
                             <a:schemeClr val="dk1"/>
                           </a:solidFill>
+                          <a:latin typeface="+mn-lt"/>
                           <a:ea typeface="Cambria Math" panose="02040503050406030204" pitchFamily="18" charset="0"/>
                         </a:rPr>
                         <m:t> </m:t>
@@ -15966,6 +15972,7 @@
                           <a:solidFill>
                             <a:schemeClr val="dk1"/>
                           </a:solidFill>
+                          <a:latin typeface="+mn-lt"/>
                           <a:ea typeface="Cambria Math" panose="02040503050406030204" pitchFamily="18" charset="0"/>
                         </a:rPr>
                         <m:t>de</m:t>
@@ -15978,6 +15985,7 @@
                           <a:solidFill>
                             <a:schemeClr val="dk1"/>
                           </a:solidFill>
+                          <a:latin typeface="+mn-lt"/>
                           <a:ea typeface="Cambria Math" panose="02040503050406030204" pitchFamily="18" charset="0"/>
                         </a:rPr>
                         <m:t> </m:t>
@@ -15990,6 +15998,7 @@
                           <a:solidFill>
                             <a:schemeClr val="dk1"/>
                           </a:solidFill>
+                          <a:latin typeface="+mn-lt"/>
                           <a:ea typeface="Cambria Math" panose="02040503050406030204" pitchFamily="18" charset="0"/>
                         </a:rPr>
                         <m:t>la</m:t>
@@ -16002,6 +16011,7 @@
                           <a:solidFill>
                             <a:schemeClr val="dk1"/>
                           </a:solidFill>
+                          <a:latin typeface="+mn-lt"/>
                           <a:ea typeface="Cambria Math" panose="02040503050406030204" pitchFamily="18" charset="0"/>
                         </a:rPr>
                         <m:t> </m:t>
@@ -16014,6 +16024,7 @@
                           <a:solidFill>
                             <a:schemeClr val="dk1"/>
                           </a:solidFill>
+                          <a:latin typeface="+mn-lt"/>
                           <a:ea typeface="Cambria Math" panose="02040503050406030204" pitchFamily="18" charset="0"/>
                         </a:rPr>
                         <m:t>variable</m:t>
@@ -16026,6 +16037,7 @@
                           <a:solidFill>
                             <a:schemeClr val="dk1"/>
                           </a:solidFill>
+                          <a:latin typeface="+mn-lt"/>
                           <a:ea typeface="Cambria Math" panose="02040503050406030204" pitchFamily="18" charset="0"/>
                         </a:rPr>
                         <m:t> </m:t>
@@ -16038,6 +16050,7 @@
                           <a:solidFill>
                             <a:schemeClr val="dk1"/>
                           </a:solidFill>
+                          <a:latin typeface="+mn-lt"/>
                           <a:ea typeface="Cambria Math" panose="02040503050406030204" pitchFamily="18" charset="0"/>
                         </a:rPr>
                         <m:t>y</m:t>
@@ -16050,6 +16063,7 @@
                           <a:solidFill>
                             <a:schemeClr val="dk1"/>
                           </a:solidFill>
+                          <a:latin typeface="+mn-lt"/>
                           <a:ea typeface="Cambria Math" panose="02040503050406030204" pitchFamily="18" charset="0"/>
                         </a:rPr>
                         <m:t> </m:t>
@@ -16062,6 +16076,7 @@
                           <a:solidFill>
                             <a:schemeClr val="dk1"/>
                           </a:solidFill>
+                          <a:latin typeface="+mn-lt"/>
                           <a:ea typeface="Cambria Math" panose="02040503050406030204" pitchFamily="18" charset="0"/>
                         </a:rPr>
                         <m:t>a</m:t>
@@ -16074,6 +16089,7 @@
                           <a:solidFill>
                             <a:schemeClr val="dk1"/>
                           </a:solidFill>
+                          <a:latin typeface="+mn-lt"/>
                           <a:ea typeface="Cambria Math" panose="02040503050406030204" pitchFamily="18" charset="0"/>
                         </a:rPr>
                         <m:t> </m:t>
@@ -16086,6 +16102,7 @@
                           <a:solidFill>
                             <a:schemeClr val="dk1"/>
                           </a:solidFill>
+                          <a:latin typeface="+mn-lt"/>
                           <a:ea typeface="Cambria Math" panose="02040503050406030204" pitchFamily="18" charset="0"/>
                         </a:rPr>
                         <m:t>t</m:t>
@@ -16098,6 +16115,7 @@
                           <a:solidFill>
                             <a:schemeClr val="dk1"/>
                           </a:solidFill>
+                          <a:latin typeface="+mn-lt"/>
                           <a:ea typeface="Cambria Math" panose="02040503050406030204" pitchFamily="18" charset="0"/>
                         </a:rPr>
                         <m:t>−</m:t>
@@ -16110,6 +16128,7 @@
                           <a:solidFill>
                             <a:schemeClr val="dk1"/>
                           </a:solidFill>
+                          <a:latin typeface="+mn-lt"/>
                           <a:ea typeface="Cambria Math" panose="02040503050406030204" pitchFamily="18" charset="0"/>
                         </a:rPr>
                         <m:t>s</m:t>
@@ -16117,6 +16136,115 @@
                     </m:oMath>
                   </m:oMathPara>
                 </a14:m>
+                <a:endParaRPr lang="en-US" sz="900" b="0" i="0" dirty="0">
+                  <a:solidFill>
+                    <a:schemeClr val="dk1"/>
+                  </a:solidFill>
+                  <a:latin typeface="+mn-lt"/>
+                  <a:ea typeface="Cambria Math" panose="02040503050406030204" pitchFamily="18" charset="0"/>
+                  <a:sym typeface="Arial"/>
+                </a:endParaRPr>
+              </a:p>
+              <a:p>
+                <a:pPr lvl="0">
+                  <a:lnSpc>
+                    <a:spcPct val="95000"/>
+                  </a:lnSpc>
+                  <a:buClr>
+                    <a:schemeClr val="dk1"/>
+                  </a:buClr>
+                  <a:buSzPts val="1200"/>
+                </a:pPr>
+                <a:r>
+                  <a:rPr lang="en-US" sz="900" dirty="0">
+                    <a:solidFill>
+                      <a:schemeClr val="dk1"/>
+                    </a:solidFill>
+                    <a:latin typeface="+mn-lt"/>
+                    <a:ea typeface="Cambria Math" panose="02040503050406030204" pitchFamily="18" charset="0"/>
+                  </a:rPr>
+                  <a:t>s: </a:t>
+                </a:r>
+                <a:r>
+                  <a:rPr lang="en-US" sz="900" dirty="0" err="1">
+                    <a:solidFill>
+                      <a:schemeClr val="dk1"/>
+                    </a:solidFill>
+                    <a:latin typeface="+mn-lt"/>
+                    <a:ea typeface="Cambria Math" panose="02040503050406030204" pitchFamily="18" charset="0"/>
+                  </a:rPr>
+                  <a:t>Rezago</a:t>
+                </a:r>
+                <a:r>
+                  <a:rPr lang="en-US" sz="900" dirty="0">
+                    <a:solidFill>
+                      <a:schemeClr val="dk1"/>
+                    </a:solidFill>
+                    <a:latin typeface="+mn-lt"/>
+                    <a:ea typeface="Cambria Math" panose="02040503050406030204" pitchFamily="18" charset="0"/>
+                  </a:rPr>
+                  <a:t> </a:t>
+                </a:r>
+                <a:r>
+                  <a:rPr lang="en-US" sz="900" dirty="0" err="1">
+                    <a:solidFill>
+                      <a:schemeClr val="dk1"/>
+                    </a:solidFill>
+                    <a:latin typeface="+mn-lt"/>
+                    <a:ea typeface="Cambria Math" panose="02040503050406030204" pitchFamily="18" charset="0"/>
+                  </a:rPr>
+                  <a:t>en</a:t>
+                </a:r>
+                <a:r>
+                  <a:rPr lang="en-US" sz="900" dirty="0">
+                    <a:solidFill>
+                      <a:schemeClr val="dk1"/>
+                    </a:solidFill>
+                    <a:latin typeface="+mn-lt"/>
+                    <a:ea typeface="Cambria Math" panose="02040503050406030204" pitchFamily="18" charset="0"/>
+                  </a:rPr>
+                  <a:t> </a:t>
+                </a:r>
+                <a:r>
+                  <a:rPr lang="en-US" sz="900" dirty="0" err="1">
+                    <a:solidFill>
+                      <a:schemeClr val="dk1"/>
+                    </a:solidFill>
+                    <a:latin typeface="+mn-lt"/>
+                    <a:ea typeface="Cambria Math" panose="02040503050406030204" pitchFamily="18" charset="0"/>
+                  </a:rPr>
+                  <a:t>el</a:t>
+                </a:r>
+                <a:r>
+                  <a:rPr lang="en-US" sz="900" dirty="0">
+                    <a:solidFill>
+                      <a:schemeClr val="dk1"/>
+                    </a:solidFill>
+                    <a:latin typeface="+mn-lt"/>
+                    <a:ea typeface="Cambria Math" panose="02040503050406030204" pitchFamily="18" charset="0"/>
+                  </a:rPr>
+                  <a:t> </a:t>
+                </a:r>
+                <a:r>
+                  <a:rPr lang="en-US" sz="900" dirty="0" err="1">
+                    <a:solidFill>
+                      <a:schemeClr val="dk1"/>
+                    </a:solidFill>
+                    <a:latin typeface="+mn-lt"/>
+                    <a:ea typeface="Cambria Math" panose="02040503050406030204" pitchFamily="18" charset="0"/>
+                  </a:rPr>
+                  <a:t>tiempo</a:t>
+                </a:r>
+                <a:r>
+                  <a:rPr lang="en-US" sz="900" dirty="0">
+                    <a:solidFill>
+                      <a:schemeClr val="dk1"/>
+                    </a:solidFill>
+                    <a:latin typeface="+mn-lt"/>
+                    <a:ea typeface="Cambria Math" panose="02040503050406030204" pitchFamily="18" charset="0"/>
+                  </a:rPr>
+                  <a:t> s={1,2,3, n}</a:t>
+                </a:r>
                 <a:endParaRPr lang="en-US" sz="900" b="0" i="0" dirty="0">
                   <a:solidFill>
                     <a:schemeClr val="dk1"/>
@@ -16163,8 +16291,8 @@
             </p:nvSpPr>
             <p:spPr>
               <a:xfrm>
-                <a:off x="3082393" y="6251256"/>
-                <a:ext cx="4567044" cy="1002970"/>
+                <a:off x="3120493" y="6212787"/>
+                <a:ext cx="4567044" cy="1134544"/>
               </a:xfrm>
               <a:prstGeom prst="rect">
                 <a:avLst/>
@@ -16172,7 +16300,7 @@
               <a:blipFill>
                 <a:blip r:embed="rId8"/>
                 <a:stretch>
-                  <a:fillRect l="-534" t="-1818"/>
+                  <a:fillRect l="-534" t="-2151"/>
                 </a:stretch>
               </a:blipFill>
               <a:ln>
@@ -16194,8 +16322,8 @@
           </p:sp>
         </mc:Fallback>
       </mc:AlternateContent>
-      <mc:AlternateContent xmlns:mc="http://schemas.openxmlformats.org/markup-compatibility/2006">
-        <mc:Choice xmlns:a14="http://schemas.microsoft.com/office/drawing/2010/main" Requires="a14">
+      <mc:AlternateContent xmlns:mc="http://schemas.openxmlformats.org/markup-compatibility/2006" xmlns:a14="http://schemas.microsoft.com/office/drawing/2010/main">
+        <mc:Choice Requires="a14">
           <p:sp>
             <p:nvSpPr>
               <p:cNvPr id="11" name="TextBox 10">
@@ -16667,7 +16795,7 @@
             </p:txBody>
           </p:sp>
         </mc:Choice>
-        <mc:Fallback>
+        <mc:Fallback xmlns="">
           <p:sp>
             <p:nvSpPr>
               <p:cNvPr id="11" name="TextBox 10">
